--- a/JS/001_lesson/Presentation/Object+Array.pptx
+++ b/JS/001_lesson/Presentation/Object+Array.pptx
@@ -241,7 +241,7 @@
             <a:fld id="{C1951A84-8083-4F68-A786-57C80B44AB3C}" type="datetimeFigureOut">
               <a:rPr lang="en-US" smtClean="0"/>
               <a:pPr/>
-              <a:t>7/24/2016</a:t>
+              <a:t>3/21/2017</a:t>
             </a:fld>
             <a:endParaRPr lang="en-US"/>
           </a:p>
@@ -408,7 +408,7 @@
             <a:fld id="{F938EB94-4B54-4539-BEE7-C3885B42E71C}" type="datetimeFigureOut">
               <a:rPr lang="en-US" smtClean="0"/>
               <a:pPr/>
-              <a:t>7/24/2016</a:t>
+              <a:t>3/21/2017</a:t>
             </a:fld>
             <a:endParaRPr lang="en-US"/>
           </a:p>
@@ -3305,7 +3305,7 @@
               <a:rPr lang="ru-RU" sz="1400" dirty="0">
                 <a:latin typeface="Calibri" panose="020F0502020204030204" pitchFamily="34" charset="0"/>
               </a:rPr>
-              <a:t>: структура, пригодная для хранения любых данных. В этой главе мы рассмотрим использование объектов именно как массивов.</a:t>
+              <a:t>: структура, пригодная для хранения любых данных. В этом уроке мы рассмотрим использование объектов именно как массивов.</a:t>
             </a:r>
           </a:p>
           <a:p>
@@ -3625,7 +3625,7 @@
               <a:rPr lang="en-US" sz="1400" dirty="0">
                 <a:latin typeface="Calibri" panose="020F0502020204030204" pitchFamily="34" charset="0"/>
               </a:rPr>
-              <a:t>weight: '5 kg'</a:t>
+              <a:t>weight: '5 kg‘,</a:t>
             </a:r>
           </a:p>
           <a:p>
